--- a/The CodeProject Windows Azure Developer Contest.pptx
+++ b/The CodeProject Windows Azure Developer Contest.pptx
@@ -9,6 +9,19 @@
     <p:sldId id="258" r:id="rId3"/>
     <p:sldId id="257" r:id="rId4"/>
     <p:sldId id="259" r:id="rId5"/>
+    <p:sldId id="260" r:id="rId6"/>
+    <p:sldId id="261" r:id="rId7"/>
+    <p:sldId id="262" r:id="rId8"/>
+    <p:sldId id="263" r:id="rId9"/>
+    <p:sldId id="265" r:id="rId10"/>
+    <p:sldId id="264" r:id="rId11"/>
+    <p:sldId id="266" r:id="rId12"/>
+    <p:sldId id="267" r:id="rId13"/>
+    <p:sldId id="268" r:id="rId14"/>
+    <p:sldId id="269" r:id="rId15"/>
+    <p:sldId id="270" r:id="rId16"/>
+    <p:sldId id="271" r:id="rId17"/>
+    <p:sldId id="272" r:id="rId18"/>
   </p:sldIdLst>
   <p:sldSz cx="12192000" cy="6858000"/>
   <p:notesSz cx="6858000" cy="9144000"/>
@@ -107,6 +120,11 @@
       </a:defRPr>
     </a:lvl9pPr>
   </p:defaultTextStyle>
+  <p:extLst>
+    <p:ext uri="{EFAFB233-063F-42B5-8137-9DF3F51BA10A}">
+      <p15:sldGuideLst xmlns:p15="http://schemas.microsoft.com/office/powerpoint/2012/main"/>
+    </p:ext>
+  </p:extLst>
 </p:presentation>
 </file>
 
@@ -833,7 +851,7 @@
             <a:fld id="{B61BEF0D-F0BB-DE4B-95CE-6DB70DBA9567}" type="datetimeFigureOut">
               <a:rPr lang="en-US" dirty="0"/>
               <a:pPr/>
-              <a:t>5/25/2013</a:t>
+              <a:t>5/26/2013</a:t>
             </a:fld>
             <a:endParaRPr lang="en-US" dirty="0"/>
           </a:p>
@@ -1081,7 +1099,7 @@
             <a:fld id="{B61BEF0D-F0BB-DE4B-95CE-6DB70DBA9567}" type="datetimeFigureOut">
               <a:rPr lang="en-US" dirty="0"/>
               <a:pPr/>
-              <a:t>5/25/2013</a:t>
+              <a:t>5/26/2013</a:t>
             </a:fld>
             <a:endParaRPr lang="en-US" dirty="0"/>
           </a:p>
@@ -1392,7 +1410,7 @@
             <a:fld id="{B61BEF0D-F0BB-DE4B-95CE-6DB70DBA9567}" type="datetimeFigureOut">
               <a:rPr lang="en-US" dirty="0"/>
               <a:pPr/>
-              <a:t>5/25/2013</a:t>
+              <a:t>5/26/2013</a:t>
             </a:fld>
             <a:endParaRPr lang="en-US" dirty="0"/>
           </a:p>
@@ -1730,7 +1748,7 @@
             <a:fld id="{B61BEF0D-F0BB-DE4B-95CE-6DB70DBA9567}" type="datetimeFigureOut">
               <a:rPr lang="en-US" dirty="0"/>
               <a:pPr/>
-              <a:t>5/25/2013</a:t>
+              <a:t>5/26/2013</a:t>
             </a:fld>
             <a:endParaRPr lang="en-US" dirty="0"/>
           </a:p>
@@ -2041,7 +2059,7 @@
             <a:fld id="{B61BEF0D-F0BB-DE4B-95CE-6DB70DBA9567}" type="datetimeFigureOut">
               <a:rPr lang="en-US" dirty="0"/>
               <a:pPr/>
-              <a:t>5/25/2013</a:t>
+              <a:t>5/26/2013</a:t>
             </a:fld>
             <a:endParaRPr lang="en-US" dirty="0"/>
           </a:p>
@@ -2431,7 +2449,7 @@
             <a:fld id="{B61BEF0D-F0BB-DE4B-95CE-6DB70DBA9567}" type="datetimeFigureOut">
               <a:rPr lang="en-US" dirty="0"/>
               <a:pPr/>
-              <a:t>5/25/2013</a:t>
+              <a:t>5/26/2013</a:t>
             </a:fld>
             <a:endParaRPr lang="en-US" dirty="0"/>
           </a:p>
@@ -2597,7 +2615,7 @@
           <a:p>
             <a:fld id="{55C6B4A9-1611-4792-9094-5F34BCA07E0B}" type="datetimeFigureOut">
               <a:rPr lang="en-US" dirty="0"/>
-              <a:t>5/25/2013</a:t>
+              <a:t>5/26/2013</a:t>
             </a:fld>
             <a:endParaRPr lang="en-US" dirty="0"/>
           </a:p>
@@ -2773,7 +2791,7 @@
             <a:fld id="{B61BEF0D-F0BB-DE4B-95CE-6DB70DBA9567}" type="datetimeFigureOut">
               <a:rPr lang="en-US" dirty="0"/>
               <a:pPr/>
-              <a:t>5/25/2013</a:t>
+              <a:t>5/26/2013</a:t>
             </a:fld>
             <a:endParaRPr lang="en-US" dirty="0"/>
           </a:p>
@@ -2946,7 +2964,7 @@
             <a:fld id="{B61BEF0D-F0BB-DE4B-95CE-6DB70DBA9567}" type="datetimeFigureOut">
               <a:rPr lang="en-US" dirty="0"/>
               <a:pPr/>
-              <a:t>5/25/2013</a:t>
+              <a:t>5/26/2013</a:t>
             </a:fld>
             <a:endParaRPr lang="en-US" dirty="0"/>
           </a:p>
@@ -3190,7 +3208,7 @@
             <a:fld id="{B61BEF0D-F0BB-DE4B-95CE-6DB70DBA9567}" type="datetimeFigureOut">
               <a:rPr lang="en-US" dirty="0"/>
               <a:pPr/>
-              <a:t>5/25/2013</a:t>
+              <a:t>5/26/2013</a:t>
             </a:fld>
             <a:endParaRPr lang="en-US" dirty="0"/>
           </a:p>
@@ -3418,7 +3436,7 @@
           <a:p>
             <a:fld id="{EB712588-04B1-427B-82EE-E8DB90309F08}" type="datetimeFigureOut">
               <a:rPr lang="en-US" dirty="0"/>
-              <a:t>5/25/2013</a:t>
+              <a:t>5/26/2013</a:t>
             </a:fld>
             <a:endParaRPr lang="en-US" dirty="0"/>
           </a:p>
@@ -3788,7 +3806,7 @@
             <a:fld id="{B61BEF0D-F0BB-DE4B-95CE-6DB70DBA9567}" type="datetimeFigureOut">
               <a:rPr lang="en-US" dirty="0"/>
               <a:pPr/>
-              <a:t>5/25/2013</a:t>
+              <a:t>5/26/2013</a:t>
             </a:fld>
             <a:endParaRPr lang="en-US" dirty="0"/>
           </a:p>
@@ -3908,7 +3926,7 @@
             <a:fld id="{B61BEF0D-F0BB-DE4B-95CE-6DB70DBA9567}" type="datetimeFigureOut">
               <a:rPr lang="en-US" dirty="0"/>
               <a:pPr/>
-              <a:t>5/25/2013</a:t>
+              <a:t>5/26/2013</a:t>
             </a:fld>
             <a:endParaRPr lang="en-US" dirty="0"/>
           </a:p>
@@ -4000,7 +4018,7 @@
             <a:fld id="{B61BEF0D-F0BB-DE4B-95CE-6DB70DBA9567}" type="datetimeFigureOut">
               <a:rPr lang="en-US" dirty="0"/>
               <a:pPr/>
-              <a:t>5/25/2013</a:t>
+              <a:t>5/26/2013</a:t>
             </a:fld>
             <a:endParaRPr lang="en-US" dirty="0"/>
           </a:p>
@@ -4251,7 +4269,7 @@
           <a:p>
             <a:fld id="{42A54C80-263E-416B-A8E0-580EDEADCBDC}" type="datetimeFigureOut">
               <a:rPr lang="en-US" dirty="0"/>
-              <a:t>5/25/2013</a:t>
+              <a:t>5/26/2013</a:t>
             </a:fld>
             <a:endParaRPr lang="en-US" dirty="0"/>
           </a:p>
@@ -4510,7 +4528,7 @@
             <a:fld id="{B61BEF0D-F0BB-DE4B-95CE-6DB70DBA9567}" type="datetimeFigureOut">
               <a:rPr lang="en-US" dirty="0"/>
               <a:pPr/>
-              <a:t>5/25/2013</a:t>
+              <a:t>5/26/2013</a:t>
             </a:fld>
             <a:endParaRPr lang="en-US" dirty="0"/>
           </a:p>
@@ -5250,7 +5268,7 @@
             <a:fld id="{B61BEF0D-F0BB-DE4B-95CE-6DB70DBA9567}" type="datetimeFigureOut">
               <a:rPr lang="en-US" dirty="0"/>
               <a:pPr/>
-              <a:t>5/25/2013</a:t>
+              <a:t>5/26/2013</a:t>
             </a:fld>
             <a:endParaRPr lang="en-US" dirty="0"/>
           </a:p>
@@ -5944,6 +5962,1066 @@
   <p:clrMapOvr>
     <a:masterClrMapping/>
   </p:clrMapOvr>
+  <p:timing>
+    <p:tnLst>
+      <p:par>
+        <p:cTn id="1" dur="indefinite" restart="never" nodeType="tmRoot"/>
+      </p:par>
+    </p:tnLst>
+  </p:timing>
+</p:sld>
+</file>
+
+<file path=ppt/slides/slide10.xml><?xml version="1.0" encoding="utf-8"?>
+<p:sld xmlns:a="http://schemas.openxmlformats.org/drawingml/2006/main" xmlns:r="http://schemas.openxmlformats.org/officeDocument/2006/relationships" xmlns:p="http://schemas.openxmlformats.org/presentationml/2006/main">
+  <p:cSld>
+    <p:spTree>
+      <p:nvGrpSpPr>
+        <p:cNvPr id="1" name=""/>
+        <p:cNvGrpSpPr/>
+        <p:nvPr/>
+      </p:nvGrpSpPr>
+      <p:grpSpPr>
+        <a:xfrm>
+          <a:off x="0" y="0"/>
+          <a:ext cx="0" cy="0"/>
+          <a:chOff x="0" y="0"/>
+          <a:chExt cx="0" cy="0"/>
+        </a:xfrm>
+      </p:grpSpPr>
+      <p:sp>
+        <p:nvSpPr>
+          <p:cNvPr id="2" name="Title 1"/>
+          <p:cNvSpPr>
+            <a:spLocks noGrp="1"/>
+          </p:cNvSpPr>
+          <p:nvPr>
+            <p:ph type="title"/>
+          </p:nvPr>
+        </p:nvSpPr>
+        <p:spPr/>
+        <p:txBody>
+          <a:bodyPr/>
+          <a:lstStyle/>
+          <a:p>
+            <a:r>
+              <a:rPr lang="en-NZ" dirty="0" smtClean="0"/>
+              <a:t>Azure Table Storage</a:t>
+            </a:r>
+            <a:endParaRPr lang="en-NZ" dirty="0"/>
+          </a:p>
+        </p:txBody>
+      </p:sp>
+      <p:sp>
+        <p:nvSpPr>
+          <p:cNvPr id="3" name="Content Placeholder 2"/>
+          <p:cNvSpPr>
+            <a:spLocks noGrp="1"/>
+          </p:cNvSpPr>
+          <p:nvPr>
+            <p:ph idx="1"/>
+          </p:nvPr>
+        </p:nvSpPr>
+        <p:spPr/>
+        <p:txBody>
+          <a:bodyPr/>
+          <a:lstStyle/>
+          <a:p>
+            <a:r>
+              <a:rPr lang="en-NZ" dirty="0" smtClean="0"/>
+              <a:t>I wanted persistent storage, but couldn’t use SQL </a:t>
+            </a:r>
+          </a:p>
+          <a:p>
+            <a:r>
+              <a:rPr lang="en-NZ" dirty="0" smtClean="0"/>
+              <a:t>Azure Table Storage – lots of articles online – I used </a:t>
+            </a:r>
+            <a:r>
+              <a:rPr lang="en-NZ" dirty="0">
+                <a:hlinkClick r:id="rId2"/>
+              </a:rPr>
+              <a:t>http://www.windowsazure.com/en-us/develop/net/how-to-guides/table-services</a:t>
+            </a:r>
+            <a:r>
+              <a:rPr lang="en-NZ" dirty="0" smtClean="0">
+                <a:hlinkClick r:id="rId2"/>
+              </a:rPr>
+              <a:t>/</a:t>
+            </a:r>
+            <a:endParaRPr lang="en-NZ" dirty="0" smtClean="0"/>
+          </a:p>
+          <a:p>
+            <a:r>
+              <a:rPr lang="en-NZ" dirty="0" smtClean="0"/>
+              <a:t>Partition keys/row keys – oh so tricky</a:t>
+            </a:r>
+          </a:p>
+          <a:p>
+            <a:r>
+              <a:rPr lang="en-NZ" dirty="0" smtClean="0"/>
+              <a:t>Add a storage account</a:t>
+            </a:r>
+          </a:p>
+          <a:p>
+            <a:r>
+              <a:rPr lang="en-NZ" dirty="0" smtClean="0"/>
+              <a:t>Configure our app to use local storage, and cloud storage when deployed</a:t>
+            </a:r>
+          </a:p>
+          <a:p>
+            <a:r>
+              <a:rPr lang="en-NZ" dirty="0" smtClean="0"/>
+              <a:t>I couldn’t store object graphs, so used </a:t>
+            </a:r>
+            <a:r>
+              <a:rPr lang="en-NZ" dirty="0" err="1" smtClean="0"/>
+              <a:t>JSON.Net</a:t>
+            </a:r>
+            <a:r>
+              <a:rPr lang="en-NZ" dirty="0" smtClean="0"/>
+              <a:t> to serialize the graph as a JSON string</a:t>
+            </a:r>
+          </a:p>
+          <a:p>
+            <a:r>
+              <a:rPr lang="en-NZ" dirty="0" smtClean="0"/>
+              <a:t>Viewing data with Azure Storage Explorer</a:t>
+            </a:r>
+            <a:endParaRPr lang="en-NZ" dirty="0"/>
+          </a:p>
+        </p:txBody>
+      </p:sp>
+    </p:spTree>
+    <p:extLst>
+      <p:ext uri="{BB962C8B-B14F-4D97-AF65-F5344CB8AC3E}">
+        <p14:creationId xmlns:p14="http://schemas.microsoft.com/office/powerpoint/2010/main" val="1735125835"/>
+      </p:ext>
+    </p:extLst>
+  </p:cSld>
+  <p:clrMapOvr>
+    <a:masterClrMapping/>
+  </p:clrMapOvr>
+  <p:timing>
+    <p:tnLst>
+      <p:par>
+        <p:cTn id="1" dur="indefinite" restart="never" nodeType="tmRoot"/>
+      </p:par>
+    </p:tnLst>
+  </p:timing>
+</p:sld>
+</file>
+
+<file path=ppt/slides/slide11.xml><?xml version="1.0" encoding="utf-8"?>
+<p:sld xmlns:a="http://schemas.openxmlformats.org/drawingml/2006/main" xmlns:r="http://schemas.openxmlformats.org/officeDocument/2006/relationships" xmlns:p="http://schemas.openxmlformats.org/presentationml/2006/main">
+  <p:cSld>
+    <p:spTree>
+      <p:nvGrpSpPr>
+        <p:cNvPr id="1" name=""/>
+        <p:cNvGrpSpPr/>
+        <p:nvPr/>
+      </p:nvGrpSpPr>
+      <p:grpSpPr>
+        <a:xfrm>
+          <a:off x="0" y="0"/>
+          <a:ext cx="0" cy="0"/>
+          <a:chOff x="0" y="0"/>
+          <a:chExt cx="0" cy="0"/>
+        </a:xfrm>
+      </p:grpSpPr>
+      <p:sp>
+        <p:nvSpPr>
+          <p:cNvPr id="2" name="Title 1"/>
+          <p:cNvSpPr>
+            <a:spLocks noGrp="1"/>
+          </p:cNvSpPr>
+          <p:nvPr>
+            <p:ph type="title"/>
+          </p:nvPr>
+        </p:nvSpPr>
+        <p:spPr/>
+        <p:txBody>
+          <a:bodyPr/>
+          <a:lstStyle/>
+          <a:p>
+            <a:r>
+              <a:rPr lang="en-NZ" dirty="0" smtClean="0"/>
+              <a:t>UI features</a:t>
+            </a:r>
+            <a:endParaRPr lang="en-NZ" dirty="0"/>
+          </a:p>
+        </p:txBody>
+      </p:sp>
+      <p:sp>
+        <p:nvSpPr>
+          <p:cNvPr id="3" name="Content Placeholder 2"/>
+          <p:cNvSpPr>
+            <a:spLocks noGrp="1"/>
+          </p:cNvSpPr>
+          <p:nvPr>
+            <p:ph idx="1"/>
+          </p:nvPr>
+        </p:nvSpPr>
+        <p:spPr/>
+        <p:txBody>
+          <a:bodyPr/>
+          <a:lstStyle/>
+          <a:p>
+            <a:r>
+              <a:rPr lang="en-NZ" dirty="0" smtClean="0"/>
+              <a:t>Friendly </a:t>
+            </a:r>
+            <a:r>
+              <a:rPr lang="en-NZ" dirty="0" err="1" smtClean="0"/>
+              <a:t>urls</a:t>
+            </a:r>
+            <a:endParaRPr lang="en-NZ" dirty="0" smtClean="0"/>
+          </a:p>
+          <a:p>
+            <a:r>
+              <a:rPr lang="en-NZ" dirty="0" smtClean="0"/>
+              <a:t>Date/time pickers</a:t>
+            </a:r>
+          </a:p>
+          <a:p>
+            <a:r>
+              <a:rPr lang="en-NZ" dirty="0" smtClean="0"/>
+              <a:t>Tooltips  with jQuery tools</a:t>
+            </a:r>
+          </a:p>
+          <a:p>
+            <a:r>
+              <a:rPr lang="en-NZ" dirty="0" smtClean="0"/>
+              <a:t>Embedded Google Hangouts</a:t>
+            </a:r>
+          </a:p>
+          <a:p>
+            <a:r>
+              <a:rPr lang="en-NZ" dirty="0" smtClean="0"/>
+              <a:t>Embedded Twitter feed</a:t>
+            </a:r>
+          </a:p>
+          <a:p>
+            <a:r>
+              <a:rPr lang="en-NZ" dirty="0" smtClean="0"/>
+              <a:t>How did I get the UI looking good? </a:t>
+            </a:r>
+            <a:r>
+              <a:rPr lang="en-NZ" strike="sngStrike" dirty="0" smtClean="0"/>
+              <a:t>I wish I was better at CSS!</a:t>
+            </a:r>
+          </a:p>
+          <a:p>
+            <a:pPr marL="0" indent="0">
+              <a:buNone/>
+            </a:pPr>
+            <a:endParaRPr lang="en-NZ" dirty="0"/>
+          </a:p>
+        </p:txBody>
+      </p:sp>
+    </p:spTree>
+    <p:extLst>
+      <p:ext uri="{BB962C8B-B14F-4D97-AF65-F5344CB8AC3E}">
+        <p14:creationId xmlns:p14="http://schemas.microsoft.com/office/powerpoint/2010/main" val="1600350888"/>
+      </p:ext>
+    </p:extLst>
+  </p:cSld>
+  <p:clrMapOvr>
+    <a:masterClrMapping/>
+  </p:clrMapOvr>
+  <p:timing>
+    <p:tnLst>
+      <p:par>
+        <p:cTn id="1" dur="indefinite" restart="never" nodeType="tmRoot"/>
+      </p:par>
+    </p:tnLst>
+  </p:timing>
+</p:sld>
+</file>
+
+<file path=ppt/slides/slide12.xml><?xml version="1.0" encoding="utf-8"?>
+<p:sld xmlns:a="http://schemas.openxmlformats.org/drawingml/2006/main" xmlns:r="http://schemas.openxmlformats.org/officeDocument/2006/relationships" xmlns:p="http://schemas.openxmlformats.org/presentationml/2006/main">
+  <p:cSld>
+    <p:spTree>
+      <p:nvGrpSpPr>
+        <p:cNvPr id="1" name=""/>
+        <p:cNvGrpSpPr/>
+        <p:nvPr/>
+      </p:nvGrpSpPr>
+      <p:grpSpPr>
+        <a:xfrm>
+          <a:off x="0" y="0"/>
+          <a:ext cx="0" cy="0"/>
+          <a:chOff x="0" y="0"/>
+          <a:chExt cx="0" cy="0"/>
+        </a:xfrm>
+      </p:grpSpPr>
+      <p:sp>
+        <p:nvSpPr>
+          <p:cNvPr id="2" name="Title 1"/>
+          <p:cNvSpPr>
+            <a:spLocks noGrp="1"/>
+          </p:cNvSpPr>
+          <p:nvPr>
+            <p:ph type="title"/>
+          </p:nvPr>
+        </p:nvSpPr>
+        <p:spPr/>
+        <p:txBody>
+          <a:bodyPr/>
+          <a:lstStyle/>
+          <a:p>
+            <a:r>
+              <a:rPr lang="en-NZ" dirty="0" err="1" smtClean="0"/>
+              <a:t>SignalR</a:t>
+            </a:r>
+            <a:endParaRPr lang="en-NZ" dirty="0"/>
+          </a:p>
+        </p:txBody>
+      </p:sp>
+      <p:sp>
+        <p:nvSpPr>
+          <p:cNvPr id="3" name="Content Placeholder 2"/>
+          <p:cNvSpPr>
+            <a:spLocks noGrp="1"/>
+          </p:cNvSpPr>
+          <p:nvPr>
+            <p:ph idx="1"/>
+          </p:nvPr>
+        </p:nvSpPr>
+        <p:spPr/>
+        <p:txBody>
+          <a:bodyPr/>
+          <a:lstStyle/>
+          <a:p>
+            <a:r>
+              <a:rPr lang="en-NZ" dirty="0" smtClean="0"/>
+              <a:t>What is it</a:t>
+            </a:r>
+            <a:r>
+              <a:rPr lang="en-NZ" dirty="0" smtClean="0"/>
+              <a:t>? </a:t>
+            </a:r>
+            <a:r>
+              <a:rPr lang="en-NZ" dirty="0">
+                <a:hlinkClick r:id="rId2"/>
+              </a:rPr>
+              <a:t>http://signalr.net/</a:t>
+            </a:r>
+            <a:endParaRPr lang="en-NZ" dirty="0" smtClean="0"/>
+          </a:p>
+          <a:p>
+            <a:r>
+              <a:rPr lang="en-NZ" dirty="0" smtClean="0"/>
+              <a:t>How did I use it</a:t>
+            </a:r>
+            <a:r>
+              <a:rPr lang="en-NZ" dirty="0" smtClean="0"/>
+              <a:t>? </a:t>
+            </a:r>
+          </a:p>
+          <a:p>
+            <a:r>
+              <a:rPr lang="en-NZ" dirty="0" smtClean="0"/>
+              <a:t>Calling hub methods from outside the hub pipeline</a:t>
+            </a:r>
+            <a:endParaRPr lang="en-NZ" dirty="0" smtClean="0"/>
+          </a:p>
+          <a:p>
+            <a:r>
+              <a:rPr lang="en-NZ" dirty="0" smtClean="0"/>
+              <a:t>Demo – update the conference </a:t>
+            </a:r>
+            <a:r>
+              <a:rPr lang="en-NZ" dirty="0" err="1" smtClean="0"/>
+              <a:t>url</a:t>
+            </a:r>
+            <a:r>
+              <a:rPr lang="en-NZ" dirty="0" smtClean="0"/>
+              <a:t> whilst watching in another </a:t>
+            </a:r>
+            <a:r>
+              <a:rPr lang="en-NZ" dirty="0" smtClean="0"/>
+              <a:t>window</a:t>
+            </a:r>
+          </a:p>
+          <a:p>
+            <a:r>
+              <a:rPr lang="en-NZ" dirty="0" smtClean="0"/>
+              <a:t>More examples – look on the web </a:t>
+            </a:r>
+            <a:r>
+              <a:rPr lang="en-NZ" dirty="0"/>
+              <a:t>– </a:t>
+            </a:r>
+            <a:r>
+              <a:rPr lang="en-NZ" dirty="0" smtClean="0">
+                <a:hlinkClick r:id="rId3"/>
+              </a:rPr>
+              <a:t>Jabbr.net</a:t>
+            </a:r>
+            <a:endParaRPr lang="en-NZ" dirty="0" smtClean="0"/>
+          </a:p>
+          <a:p>
+            <a:endParaRPr lang="en-NZ" dirty="0"/>
+          </a:p>
+        </p:txBody>
+      </p:sp>
+    </p:spTree>
+    <p:extLst>
+      <p:ext uri="{BB962C8B-B14F-4D97-AF65-F5344CB8AC3E}">
+        <p14:creationId xmlns:p14="http://schemas.microsoft.com/office/powerpoint/2010/main" val="3085509143"/>
+      </p:ext>
+    </p:extLst>
+  </p:cSld>
+  <p:clrMapOvr>
+    <a:masterClrMapping/>
+  </p:clrMapOvr>
+  <p:timing>
+    <p:tnLst>
+      <p:par>
+        <p:cTn id="1" dur="indefinite" restart="never" nodeType="tmRoot"/>
+      </p:par>
+    </p:tnLst>
+  </p:timing>
+</p:sld>
+</file>
+
+<file path=ppt/slides/slide13.xml><?xml version="1.0" encoding="utf-8"?>
+<p:sld xmlns:a="http://schemas.openxmlformats.org/drawingml/2006/main" xmlns:r="http://schemas.openxmlformats.org/officeDocument/2006/relationships" xmlns:p="http://schemas.openxmlformats.org/presentationml/2006/main">
+  <p:cSld>
+    <p:spTree>
+      <p:nvGrpSpPr>
+        <p:cNvPr id="1" name=""/>
+        <p:cNvGrpSpPr/>
+        <p:nvPr/>
+      </p:nvGrpSpPr>
+      <p:grpSpPr>
+        <a:xfrm>
+          <a:off x="0" y="0"/>
+          <a:ext cx="0" cy="0"/>
+          <a:chOff x="0" y="0"/>
+          <a:chExt cx="0" cy="0"/>
+        </a:xfrm>
+      </p:grpSpPr>
+      <p:sp>
+        <p:nvSpPr>
+          <p:cNvPr id="2" name="Title 1"/>
+          <p:cNvSpPr>
+            <a:spLocks noGrp="1"/>
+          </p:cNvSpPr>
+          <p:nvPr>
+            <p:ph type="title"/>
+          </p:nvPr>
+        </p:nvSpPr>
+        <p:spPr/>
+        <p:txBody>
+          <a:bodyPr/>
+          <a:lstStyle/>
+          <a:p>
+            <a:r>
+              <a:rPr lang="en-NZ" dirty="0" smtClean="0"/>
+              <a:t>Logging with </a:t>
+            </a:r>
+            <a:r>
+              <a:rPr lang="en-NZ" dirty="0" err="1" smtClean="0"/>
+              <a:t>Elmah</a:t>
+            </a:r>
+            <a:endParaRPr lang="en-NZ" dirty="0"/>
+          </a:p>
+        </p:txBody>
+      </p:sp>
+      <p:sp>
+        <p:nvSpPr>
+          <p:cNvPr id="3" name="Content Placeholder 2"/>
+          <p:cNvSpPr>
+            <a:spLocks noGrp="1"/>
+          </p:cNvSpPr>
+          <p:nvPr>
+            <p:ph idx="1"/>
+          </p:nvPr>
+        </p:nvSpPr>
+        <p:spPr/>
+        <p:txBody>
+          <a:bodyPr/>
+          <a:lstStyle/>
+          <a:p>
+            <a:r>
+              <a:rPr lang="en-NZ" dirty="0" err="1" smtClean="0"/>
+              <a:t>Elmah</a:t>
+            </a:r>
+            <a:r>
+              <a:rPr lang="en-NZ" dirty="0" smtClean="0"/>
+              <a:t> is awesome with a capital O!</a:t>
+            </a:r>
+          </a:p>
+          <a:p>
+            <a:r>
+              <a:rPr lang="en-NZ" dirty="0" smtClean="0"/>
+              <a:t>Default logging to file – this won’t work for us in the cloud</a:t>
+            </a:r>
+          </a:p>
+          <a:p>
+            <a:r>
+              <a:rPr lang="en-NZ" dirty="0" smtClean="0"/>
+              <a:t>Table storage helpers</a:t>
+            </a:r>
+          </a:p>
+          <a:p>
+            <a:r>
+              <a:rPr lang="en-NZ" dirty="0" smtClean="0"/>
+              <a:t>Demo – viewing the log files</a:t>
+            </a:r>
+            <a:endParaRPr lang="en-NZ" dirty="0"/>
+          </a:p>
+        </p:txBody>
+      </p:sp>
+    </p:spTree>
+    <p:extLst>
+      <p:ext uri="{BB962C8B-B14F-4D97-AF65-F5344CB8AC3E}">
+        <p14:creationId xmlns:p14="http://schemas.microsoft.com/office/powerpoint/2010/main" val="2951197229"/>
+      </p:ext>
+    </p:extLst>
+  </p:cSld>
+  <p:clrMapOvr>
+    <a:masterClrMapping/>
+  </p:clrMapOvr>
+  <p:timing>
+    <p:tnLst>
+      <p:par>
+        <p:cTn id="1" dur="indefinite" restart="never" nodeType="tmRoot"/>
+      </p:par>
+    </p:tnLst>
+  </p:timing>
+</p:sld>
+</file>
+
+<file path=ppt/slides/slide14.xml><?xml version="1.0" encoding="utf-8"?>
+<p:sld xmlns:a="http://schemas.openxmlformats.org/drawingml/2006/main" xmlns:r="http://schemas.openxmlformats.org/officeDocument/2006/relationships" xmlns:p="http://schemas.openxmlformats.org/presentationml/2006/main">
+  <p:cSld>
+    <p:spTree>
+      <p:nvGrpSpPr>
+        <p:cNvPr id="1" name=""/>
+        <p:cNvGrpSpPr/>
+        <p:nvPr/>
+      </p:nvGrpSpPr>
+      <p:grpSpPr>
+        <a:xfrm>
+          <a:off x="0" y="0"/>
+          <a:ext cx="0" cy="0"/>
+          <a:chOff x="0" y="0"/>
+          <a:chExt cx="0" cy="0"/>
+        </a:xfrm>
+      </p:grpSpPr>
+      <p:sp>
+        <p:nvSpPr>
+          <p:cNvPr id="2" name="Title 1"/>
+          <p:cNvSpPr>
+            <a:spLocks noGrp="1"/>
+          </p:cNvSpPr>
+          <p:nvPr>
+            <p:ph type="title"/>
+          </p:nvPr>
+        </p:nvSpPr>
+        <p:spPr/>
+        <p:txBody>
+          <a:bodyPr/>
+          <a:lstStyle/>
+          <a:p>
+            <a:r>
+              <a:rPr lang="en-NZ" dirty="0" smtClean="0"/>
+              <a:t>Other cool things I found out</a:t>
+            </a:r>
+            <a:endParaRPr lang="en-NZ" dirty="0"/>
+          </a:p>
+        </p:txBody>
+      </p:sp>
+      <p:sp>
+        <p:nvSpPr>
+          <p:cNvPr id="3" name="Content Placeholder 2"/>
+          <p:cNvSpPr>
+            <a:spLocks noGrp="1"/>
+          </p:cNvSpPr>
+          <p:nvPr>
+            <p:ph idx="1"/>
+          </p:nvPr>
+        </p:nvSpPr>
+        <p:spPr/>
+        <p:txBody>
+          <a:bodyPr/>
+          <a:lstStyle/>
+          <a:p>
+            <a:r>
+              <a:rPr lang="en-NZ" dirty="0" smtClean="0"/>
+              <a:t>Microsoft want to help you get onto Azure – support emails and phone call after I signed up, not to mention a gazillion tutorials to help get started</a:t>
+            </a:r>
+          </a:p>
+          <a:p>
+            <a:r>
+              <a:rPr lang="en-NZ" dirty="0" smtClean="0"/>
+              <a:t>Azure websites can be deployed from source control very fast!</a:t>
+            </a:r>
+          </a:p>
+          <a:p>
+            <a:r>
+              <a:rPr lang="en-NZ" dirty="0" smtClean="0"/>
+              <a:t>The </a:t>
+            </a:r>
+            <a:r>
+              <a:rPr lang="en-NZ" dirty="0" err="1" smtClean="0"/>
+              <a:t>CodeProject</a:t>
+            </a:r>
+            <a:r>
+              <a:rPr lang="en-NZ" dirty="0" smtClean="0"/>
+              <a:t> little green man’s name is ‘Bob’</a:t>
+            </a:r>
+          </a:p>
+          <a:p>
+            <a:r>
+              <a:rPr lang="en-NZ" dirty="0" smtClean="0"/>
+              <a:t>I managed to win a prize!</a:t>
+            </a:r>
+          </a:p>
+          <a:p>
+            <a:r>
+              <a:rPr lang="en-NZ" dirty="0" smtClean="0"/>
+              <a:t>Domain names, SSL, cloud services… maybe not quite so cool?</a:t>
+            </a:r>
+            <a:endParaRPr lang="en-NZ" dirty="0"/>
+          </a:p>
+        </p:txBody>
+      </p:sp>
+    </p:spTree>
+    <p:extLst>
+      <p:ext uri="{BB962C8B-B14F-4D97-AF65-F5344CB8AC3E}">
+        <p14:creationId xmlns:p14="http://schemas.microsoft.com/office/powerpoint/2010/main" val="1410477197"/>
+      </p:ext>
+    </p:extLst>
+  </p:cSld>
+  <p:clrMapOvr>
+    <a:masterClrMapping/>
+  </p:clrMapOvr>
+</p:sld>
+</file>
+
+<file path=ppt/slides/slide15.xml><?xml version="1.0" encoding="utf-8"?>
+<p:sld xmlns:a="http://schemas.openxmlformats.org/drawingml/2006/main" xmlns:r="http://schemas.openxmlformats.org/officeDocument/2006/relationships" xmlns:p="http://schemas.openxmlformats.org/presentationml/2006/main">
+  <p:cSld>
+    <p:spTree>
+      <p:nvGrpSpPr>
+        <p:cNvPr id="1" name=""/>
+        <p:cNvGrpSpPr/>
+        <p:nvPr/>
+      </p:nvGrpSpPr>
+      <p:grpSpPr>
+        <a:xfrm>
+          <a:off x="0" y="0"/>
+          <a:ext cx="0" cy="0"/>
+          <a:chOff x="0" y="0"/>
+          <a:chExt cx="0" cy="0"/>
+        </a:xfrm>
+      </p:grpSpPr>
+      <p:sp>
+        <p:nvSpPr>
+          <p:cNvPr id="2" name="Title 1"/>
+          <p:cNvSpPr>
+            <a:spLocks noGrp="1"/>
+          </p:cNvSpPr>
+          <p:nvPr>
+            <p:ph type="title"/>
+          </p:nvPr>
+        </p:nvSpPr>
+        <p:spPr/>
+        <p:txBody>
+          <a:bodyPr/>
+          <a:lstStyle/>
+          <a:p>
+            <a:r>
+              <a:rPr lang="en-NZ" dirty="0" smtClean="0"/>
+              <a:t>Thanks to</a:t>
+            </a:r>
+            <a:endParaRPr lang="en-NZ" dirty="0"/>
+          </a:p>
+        </p:txBody>
+      </p:sp>
+      <p:sp>
+        <p:nvSpPr>
+          <p:cNvPr id="3" name="Content Placeholder 2"/>
+          <p:cNvSpPr>
+            <a:spLocks noGrp="1"/>
+          </p:cNvSpPr>
+          <p:nvPr>
+            <p:ph idx="1"/>
+          </p:nvPr>
+        </p:nvSpPr>
+        <p:spPr/>
+        <p:txBody>
+          <a:bodyPr/>
+          <a:lstStyle/>
+          <a:p>
+            <a:r>
+              <a:rPr lang="en-NZ" dirty="0" smtClean="0"/>
+              <a:t>The Microsoft Azure Team for providing an awesome platform</a:t>
+            </a:r>
+          </a:p>
+          <a:p>
+            <a:r>
+              <a:rPr lang="en-NZ" dirty="0" smtClean="0"/>
+              <a:t>Scott </a:t>
+            </a:r>
+            <a:r>
+              <a:rPr lang="en-NZ" dirty="0" err="1" smtClean="0"/>
+              <a:t>Hanselman</a:t>
+            </a:r>
+            <a:r>
+              <a:rPr lang="en-NZ" dirty="0" smtClean="0"/>
+              <a:t> and Javier Lozano for letting me go ahead</a:t>
+            </a:r>
+          </a:p>
+          <a:p>
+            <a:r>
+              <a:rPr lang="en-NZ" dirty="0" err="1" smtClean="0"/>
+              <a:t>CodeProject</a:t>
+            </a:r>
+            <a:r>
+              <a:rPr lang="en-NZ" dirty="0" smtClean="0"/>
+              <a:t> for running the competition</a:t>
+            </a:r>
+          </a:p>
+          <a:p>
+            <a:r>
+              <a:rPr lang="en-NZ" dirty="0" smtClean="0"/>
+              <a:t>All those who have commented on and voted for my article, and tested the site</a:t>
+            </a:r>
+          </a:p>
+          <a:p>
+            <a:r>
+              <a:rPr lang="en-NZ" dirty="0" smtClean="0"/>
+              <a:t>Google Hangouts</a:t>
+            </a:r>
+          </a:p>
+          <a:p>
+            <a:r>
+              <a:rPr lang="en-NZ" dirty="0" smtClean="0"/>
+              <a:t>Twitter widgets</a:t>
+            </a:r>
+          </a:p>
+          <a:p>
+            <a:r>
+              <a:rPr lang="en-NZ" dirty="0" smtClean="0"/>
+              <a:t>Everyone here</a:t>
+            </a:r>
+            <a:endParaRPr lang="en-NZ" dirty="0"/>
+          </a:p>
+        </p:txBody>
+      </p:sp>
+    </p:spTree>
+    <p:extLst>
+      <p:ext uri="{BB962C8B-B14F-4D97-AF65-F5344CB8AC3E}">
+        <p14:creationId xmlns:p14="http://schemas.microsoft.com/office/powerpoint/2010/main" val="3124614527"/>
+      </p:ext>
+    </p:extLst>
+  </p:cSld>
+  <p:clrMapOvr>
+    <a:masterClrMapping/>
+  </p:clrMapOvr>
+</p:sld>
+</file>
+
+<file path=ppt/slides/slide16.xml><?xml version="1.0" encoding="utf-8"?>
+<p:sld xmlns:a="http://schemas.openxmlformats.org/drawingml/2006/main" xmlns:r="http://schemas.openxmlformats.org/officeDocument/2006/relationships" xmlns:p="http://schemas.openxmlformats.org/presentationml/2006/main">
+  <p:cSld>
+    <p:spTree>
+      <p:nvGrpSpPr>
+        <p:cNvPr id="1" name=""/>
+        <p:cNvGrpSpPr/>
+        <p:nvPr/>
+      </p:nvGrpSpPr>
+      <p:grpSpPr>
+        <a:xfrm>
+          <a:off x="0" y="0"/>
+          <a:ext cx="0" cy="0"/>
+          <a:chOff x="0" y="0"/>
+          <a:chExt cx="0" cy="0"/>
+        </a:xfrm>
+      </p:grpSpPr>
+      <p:sp>
+        <p:nvSpPr>
+          <p:cNvPr id="2" name="Title 1"/>
+          <p:cNvSpPr>
+            <a:spLocks noGrp="1"/>
+          </p:cNvSpPr>
+          <p:nvPr>
+            <p:ph type="title"/>
+          </p:nvPr>
+        </p:nvSpPr>
+        <p:spPr/>
+        <p:txBody>
+          <a:bodyPr/>
+          <a:lstStyle/>
+          <a:p>
+            <a:r>
+              <a:rPr lang="en-NZ" dirty="0" smtClean="0"/>
+              <a:t>What’s next?</a:t>
+            </a:r>
+            <a:endParaRPr lang="en-NZ" dirty="0"/>
+          </a:p>
+        </p:txBody>
+      </p:sp>
+      <p:sp>
+        <p:nvSpPr>
+          <p:cNvPr id="3" name="Content Placeholder 2"/>
+          <p:cNvSpPr>
+            <a:spLocks noGrp="1"/>
+          </p:cNvSpPr>
+          <p:nvPr>
+            <p:ph idx="1"/>
+          </p:nvPr>
+        </p:nvSpPr>
+        <p:spPr/>
+        <p:txBody>
+          <a:bodyPr>
+            <a:normAutofit lnSpcReduction="10000"/>
+          </a:bodyPr>
+          <a:lstStyle/>
+          <a:p>
+            <a:r>
+              <a:rPr lang="en-NZ" dirty="0"/>
+              <a:t>Adding membership and </a:t>
+            </a:r>
+            <a:r>
+              <a:rPr lang="en-NZ" dirty="0" smtClean="0"/>
+              <a:t>registration</a:t>
+            </a:r>
+          </a:p>
+          <a:p>
+            <a:r>
+              <a:rPr lang="en-NZ" dirty="0" smtClean="0"/>
+              <a:t>SQL – challenge 3</a:t>
+            </a:r>
+          </a:p>
+          <a:p>
+            <a:r>
+              <a:rPr lang="en-NZ" dirty="0" smtClean="0"/>
+              <a:t>Uploading </a:t>
+            </a:r>
+            <a:r>
+              <a:rPr lang="en-NZ" dirty="0"/>
+              <a:t>Speaker photos and store them in BLOB storage </a:t>
+            </a:r>
+          </a:p>
+          <a:p>
+            <a:r>
+              <a:rPr lang="en-NZ" dirty="0"/>
+              <a:t>Add SSL to secure the registration and authentication process </a:t>
+            </a:r>
+          </a:p>
+          <a:p>
+            <a:r>
+              <a:rPr lang="en-NZ" dirty="0"/>
+              <a:t>Adding live feeds of the slides, possibly using </a:t>
+            </a:r>
+            <a:r>
+              <a:rPr lang="en-NZ" dirty="0" err="1"/>
+              <a:t>SlideShare</a:t>
+            </a:r>
+            <a:r>
+              <a:rPr lang="en-NZ" dirty="0"/>
+              <a:t> </a:t>
+            </a:r>
+          </a:p>
+          <a:p>
+            <a:r>
+              <a:rPr lang="en-NZ" dirty="0"/>
+              <a:t>Doing further testing to ensure the site is fully responsive across desktop, tablet, and mobile devices, which will be the focus for challenge 5</a:t>
+            </a:r>
+          </a:p>
+          <a:p>
+            <a:r>
+              <a:rPr lang="en-NZ" dirty="0"/>
+              <a:t>Add the ability to setup reminders either using </a:t>
+            </a:r>
+            <a:r>
+              <a:rPr lang="en-NZ" dirty="0" err="1"/>
+              <a:t>vcards</a:t>
+            </a:r>
+            <a:r>
+              <a:rPr lang="en-NZ" dirty="0"/>
+              <a:t> or SMS so a user can register interest in a session, then be reminded when it's coming up.    </a:t>
+            </a:r>
+          </a:p>
+          <a:p>
+            <a:r>
+              <a:rPr lang="en-NZ" dirty="0"/>
+              <a:t>Perform further security hardening, such as removing parameter-tampering and possible XSS issues associated with MVC model-binding </a:t>
+            </a:r>
+          </a:p>
+          <a:p>
+            <a:endParaRPr lang="en-NZ" dirty="0"/>
+          </a:p>
+        </p:txBody>
+      </p:sp>
+    </p:spTree>
+    <p:extLst>
+      <p:ext uri="{BB962C8B-B14F-4D97-AF65-F5344CB8AC3E}">
+        <p14:creationId xmlns:p14="http://schemas.microsoft.com/office/powerpoint/2010/main" val="1097302938"/>
+      </p:ext>
+    </p:extLst>
+  </p:cSld>
+  <p:clrMapOvr>
+    <a:masterClrMapping/>
+  </p:clrMapOvr>
+</p:sld>
+</file>
+
+<file path=ppt/slides/slide17.xml><?xml version="1.0" encoding="utf-8"?>
+<p:sld xmlns:a="http://schemas.openxmlformats.org/drawingml/2006/main" xmlns:r="http://schemas.openxmlformats.org/officeDocument/2006/relationships" xmlns:p="http://schemas.openxmlformats.org/presentationml/2006/main">
+  <p:cSld>
+    <p:spTree>
+      <p:nvGrpSpPr>
+        <p:cNvPr id="1" name=""/>
+        <p:cNvGrpSpPr/>
+        <p:nvPr/>
+      </p:nvGrpSpPr>
+      <p:grpSpPr>
+        <a:xfrm>
+          <a:off x="0" y="0"/>
+          <a:ext cx="0" cy="0"/>
+          <a:chOff x="0" y="0"/>
+          <a:chExt cx="0" cy="0"/>
+        </a:xfrm>
+      </p:grpSpPr>
+      <p:sp>
+        <p:nvSpPr>
+          <p:cNvPr id="2" name="Title 1"/>
+          <p:cNvSpPr>
+            <a:spLocks noGrp="1"/>
+          </p:cNvSpPr>
+          <p:nvPr>
+            <p:ph type="title"/>
+          </p:nvPr>
+        </p:nvSpPr>
+        <p:spPr/>
+        <p:txBody>
+          <a:bodyPr/>
+          <a:lstStyle/>
+          <a:p>
+            <a:r>
+              <a:rPr lang="en-NZ" dirty="0" smtClean="0"/>
+              <a:t>Questions?</a:t>
+            </a:r>
+            <a:endParaRPr lang="en-NZ" dirty="0"/>
+          </a:p>
+        </p:txBody>
+      </p:sp>
+      <p:sp>
+        <p:nvSpPr>
+          <p:cNvPr id="3" name="Content Placeholder 2"/>
+          <p:cNvSpPr>
+            <a:spLocks noGrp="1"/>
+          </p:cNvSpPr>
+          <p:nvPr>
+            <p:ph idx="1"/>
+          </p:nvPr>
+        </p:nvSpPr>
+        <p:spPr/>
+        <p:txBody>
+          <a:bodyPr/>
+          <a:lstStyle/>
+          <a:p>
+            <a:r>
+              <a:rPr lang="en-NZ" dirty="0" smtClean="0"/>
+              <a:t>If you like what you’ve seen, </a:t>
+            </a:r>
+            <a:r>
+              <a:rPr lang="en-NZ" dirty="0" smtClean="0">
+                <a:hlinkClick r:id="rId2"/>
+              </a:rPr>
+              <a:t>please get online and vote for my article </a:t>
+            </a:r>
+            <a:r>
+              <a:rPr lang="en-NZ" dirty="0" smtClean="0">
+                <a:sym typeface="Wingdings" panose="05000000000000000000" pitchFamily="2" charset="2"/>
+              </a:rPr>
+              <a:t></a:t>
+            </a:r>
+          </a:p>
+          <a:p>
+            <a:r>
+              <a:rPr lang="en-NZ" dirty="0" smtClean="0">
+                <a:sym typeface="Wingdings" panose="05000000000000000000" pitchFamily="2" charset="2"/>
+              </a:rPr>
+              <a:t>Feel free to dig into the source code and let me know if there’s anything I should be doing better</a:t>
+            </a:r>
+          </a:p>
+          <a:p>
+            <a:r>
+              <a:rPr lang="en-NZ" dirty="0" smtClean="0">
+                <a:sym typeface="Wingdings" panose="05000000000000000000" pitchFamily="2" charset="2"/>
+              </a:rPr>
+              <a:t>Roll on challenge four! VM time!</a:t>
+            </a:r>
+          </a:p>
+          <a:p>
+            <a:r>
+              <a:rPr lang="en-NZ" dirty="0" smtClean="0">
+                <a:sym typeface="Wingdings" panose="05000000000000000000" pitchFamily="2" charset="2"/>
+              </a:rPr>
+              <a:t>Note to self – don’t forget to end the hangout..</a:t>
+            </a:r>
+            <a:endParaRPr lang="en-NZ" dirty="0"/>
+          </a:p>
+        </p:txBody>
+      </p:sp>
+      <p:pic>
+        <p:nvPicPr>
+          <p:cNvPr id="4" name="Picture 12" descr="Home"/>
+          <p:cNvPicPr>
+            <a:picLocks noChangeAspect="1" noChangeArrowheads="1"/>
+          </p:cNvPicPr>
+          <p:nvPr/>
+        </p:nvPicPr>
+        <p:blipFill rotWithShape="1">
+          <a:blip r:embed="rId3">
+            <a:extLst>
+              <a:ext uri="{28A0092B-C50C-407E-A947-70E740481C1C}">
+                <a14:useLocalDpi xmlns:a14="http://schemas.microsoft.com/office/drawing/2010/main" val="0"/>
+              </a:ext>
+            </a:extLst>
+          </a:blip>
+          <a:srcRect r="28737"/>
+          <a:stretch/>
+        </p:blipFill>
+        <p:spPr bwMode="auto">
+          <a:xfrm>
+            <a:off x="877147" y="4410691"/>
+            <a:ext cx="6624000" cy="1630671"/>
+          </a:xfrm>
+          <a:prstGeom prst="rect">
+            <a:avLst/>
+          </a:prstGeom>
+          <a:noFill/>
+          <a:extLst>
+            <a:ext uri="{909E8E84-426E-40DD-AFC4-6F175D3DCCD1}">
+              <a14:hiddenFill xmlns:a14="http://schemas.microsoft.com/office/drawing/2010/main">
+                <a:solidFill>
+                  <a:srgbClr val="FFFFFF"/>
+                </a:solidFill>
+              </a14:hiddenFill>
+            </a:ext>
+          </a:extLst>
+        </p:spPr>
+      </p:pic>
+    </p:spTree>
+    <p:extLst>
+      <p:ext uri="{BB962C8B-B14F-4D97-AF65-F5344CB8AC3E}">
+        <p14:creationId xmlns:p14="http://schemas.microsoft.com/office/powerpoint/2010/main" val="1294952596"/>
+      </p:ext>
+    </p:extLst>
+  </p:cSld>
+  <p:clrMapOvr>
+    <a:masterClrMapping/>
+  </p:clrMapOvr>
 </p:sld>
 </file>
 
@@ -6000,21 +7078,17 @@
         <p:spPr/>
         <p:txBody>
           <a:bodyPr>
-            <a:normAutofit/>
+            <a:normAutofit fontScale="92500" lnSpcReduction="10000"/>
           </a:bodyPr>
           <a:lstStyle/>
           <a:p>
-            <a:r>
-              <a:rPr lang="en-NZ" dirty="0" smtClean="0"/>
-              <a:t>Wellington based </a:t>
-            </a:r>
             <a:r>
               <a:rPr lang="en-NZ" dirty="0" err="1" smtClean="0"/>
               <a:t>.Net</a:t>
             </a:r>
             <a:r>
               <a:rPr lang="en-NZ" dirty="0" smtClean="0"/>
-              <a:t> developer</a:t>
+              <a:t> developer from Wellington (maybe one day I’ll travel!)</a:t>
             </a:r>
           </a:p>
           <a:p>
@@ -6070,7 +7144,12 @@
               <a:rPr lang="en-NZ" sz="1800" dirty="0" smtClean="0"/>
               <a:t>Responsive design</a:t>
             </a:r>
-            <a:endParaRPr lang="en-NZ" sz="1800" dirty="0"/>
+          </a:p>
+          <a:p>
+            <a:r>
+              <a:rPr lang="en-NZ" sz="2000" dirty="0" smtClean="0"/>
+              <a:t>DISCLAIMER: I’m not an Azure or Git expert (but I know a lot more than a month ago…)</a:t>
+            </a:r>
           </a:p>
         </p:txBody>
       </p:sp>
@@ -6084,6 +7163,13 @@
   <p:clrMapOvr>
     <a:masterClrMapping/>
   </p:clrMapOvr>
+  <p:timing>
+    <p:tnLst>
+      <p:par>
+        <p:cTn id="1" dur="indefinite" restart="never" nodeType="tmRoot"/>
+      </p:par>
+    </p:tnLst>
+  </p:timing>
 </p:sld>
 </file>
 
@@ -6272,6 +7358,13 @@
   <p:clrMapOvr>
     <a:masterClrMapping/>
   </p:clrMapOvr>
+  <p:timing>
+    <p:tnLst>
+      <p:par>
+        <p:cTn id="1" dur="indefinite" restart="never" nodeType="tmRoot"/>
+      </p:par>
+    </p:tnLst>
+  </p:timing>
 </p:sld>
 </file>
 
@@ -6309,7 +7402,7 @@
           <a:p>
             <a:r>
               <a:rPr lang="en-NZ" dirty="0" smtClean="0"/>
-              <a:t>Run your own virtual conferences</a:t>
+              <a:t>Run your own virtual conferences </a:t>
             </a:r>
           </a:p>
           <a:p>
@@ -6327,11 +7420,17 @@
             </a:r>
           </a:p>
           <a:p>
+            <a:r>
+              <a:rPr lang="en-NZ" dirty="0" smtClean="0">
+                <a:hlinkClick r:id="rId2"/>
+              </a:rPr>
+              <a:t>http</a:t>
+            </a:r>
             <a:r>
               <a:rPr lang="en-NZ" dirty="0">
                 <a:hlinkClick r:id="rId2"/>
               </a:rPr>
-              <a:t>http://</a:t>
+              <a:t>://</a:t>
             </a:r>
             <a:r>
               <a:rPr lang="en-NZ" dirty="0" smtClean="0">
@@ -6359,6 +7458,47 @@
               <a:t>/</a:t>
             </a:r>
             <a:endParaRPr lang="en-NZ" dirty="0" smtClean="0"/>
+          </a:p>
+          <a:p>
+            <a:r>
+              <a:rPr lang="en-NZ" dirty="0"/>
+              <a:t>The article - </a:t>
+            </a:r>
+            <a:r>
+              <a:rPr lang="en-NZ" dirty="0">
+                <a:hlinkClick r:id="rId4"/>
+              </a:rPr>
+              <a:t>http://</a:t>
+            </a:r>
+            <a:r>
+              <a:rPr lang="en-NZ" dirty="0" smtClean="0">
+                <a:hlinkClick r:id="rId4"/>
+              </a:rPr>
+              <a:t>www.codeproject.com/Articles/584534/YouConf-An-Online-Conferencing-Presentation-Tool</a:t>
+            </a:r>
+            <a:endParaRPr lang="en-NZ" dirty="0" smtClean="0"/>
+          </a:p>
+          <a:p>
+            <a:r>
+              <a:rPr lang="en-NZ" dirty="0"/>
+              <a:t>W</a:t>
+            </a:r>
+            <a:r>
+              <a:rPr lang="en-NZ" i="1" dirty="0" smtClean="0"/>
+              <a:t>e’re </a:t>
+            </a:r>
+            <a:r>
+              <a:rPr lang="en-NZ" i="1" dirty="0"/>
+              <a:t>live </a:t>
+            </a:r>
+            <a:r>
+              <a:rPr lang="en-NZ" i="1" dirty="0" smtClean="0"/>
+              <a:t>now</a:t>
+            </a:r>
+            <a:endParaRPr lang="en-NZ" dirty="0"/>
+          </a:p>
+          <a:p>
+            <a:endParaRPr lang="en-NZ" dirty="0"/>
           </a:p>
           <a:p>
             <a:endParaRPr lang="en-NZ" dirty="0" smtClean="0"/>
@@ -6380,7 +7520,7 @@
           <p:nvPr/>
         </p:nvPicPr>
         <p:blipFill rotWithShape="1">
-          <a:blip r:embed="rId4">
+          <a:blip r:embed="rId5">
             <a:extLst>
               <a:ext uri="{28A0092B-C50C-407E-A947-70E740481C1C}">
                 <a14:useLocalDpi xmlns:a14="http://schemas.microsoft.com/office/drawing/2010/main" val="0"/>
@@ -6420,6 +7560,769 @@
   <p:clrMapOvr>
     <a:masterClrMapping/>
   </p:clrMapOvr>
+  <p:timing>
+    <p:tnLst>
+      <p:par>
+        <p:cTn id="1" dur="indefinite" restart="never" nodeType="tmRoot"/>
+      </p:par>
+    </p:tnLst>
+  </p:timing>
+</p:sld>
+</file>
+
+<file path=ppt/slides/slide5.xml><?xml version="1.0" encoding="utf-8"?>
+<p:sld xmlns:a="http://schemas.openxmlformats.org/drawingml/2006/main" xmlns:r="http://schemas.openxmlformats.org/officeDocument/2006/relationships" xmlns:p="http://schemas.openxmlformats.org/presentationml/2006/main">
+  <p:cSld>
+    <p:spTree>
+      <p:nvGrpSpPr>
+        <p:cNvPr id="1" name=""/>
+        <p:cNvGrpSpPr/>
+        <p:nvPr/>
+      </p:nvGrpSpPr>
+      <p:grpSpPr>
+        <a:xfrm>
+          <a:off x="0" y="0"/>
+          <a:ext cx="0" cy="0"/>
+          <a:chOff x="0" y="0"/>
+          <a:chExt cx="0" cy="0"/>
+        </a:xfrm>
+      </p:grpSpPr>
+      <p:sp>
+        <p:nvSpPr>
+          <p:cNvPr id="3" name="Content Placeholder 2"/>
+          <p:cNvSpPr>
+            <a:spLocks noGrp="1"/>
+          </p:cNvSpPr>
+          <p:nvPr>
+            <p:ph idx="1"/>
+          </p:nvPr>
+        </p:nvSpPr>
+        <p:spPr/>
+        <p:txBody>
+          <a:bodyPr>
+            <a:normAutofit lnSpcReduction="10000"/>
+          </a:bodyPr>
+          <a:lstStyle/>
+          <a:p>
+            <a:r>
+              <a:rPr lang="en-NZ" dirty="0" smtClean="0"/>
+              <a:t>Microsoft’s cloud offering</a:t>
+            </a:r>
+          </a:p>
+          <a:p>
+            <a:r>
+              <a:rPr lang="en-NZ" dirty="0" err="1" smtClean="0"/>
+              <a:t>PaaS</a:t>
+            </a:r>
+            <a:r>
+              <a:rPr lang="en-NZ" dirty="0" smtClean="0"/>
+              <a:t> – you build the software, they take care of the rest</a:t>
+            </a:r>
+          </a:p>
+          <a:p>
+            <a:r>
+              <a:rPr lang="en-NZ" dirty="0" smtClean="0"/>
+              <a:t>What can you do?</a:t>
+            </a:r>
+          </a:p>
+          <a:p>
+            <a:r>
+              <a:rPr lang="en-NZ" dirty="0" smtClean="0"/>
+              <a:t>Web sites</a:t>
+            </a:r>
+          </a:p>
+          <a:p>
+            <a:r>
+              <a:rPr lang="en-NZ" dirty="0" smtClean="0"/>
+              <a:t>SQL </a:t>
+            </a:r>
+          </a:p>
+          <a:p>
+            <a:r>
+              <a:rPr lang="en-NZ" dirty="0" smtClean="0"/>
+              <a:t>Table Storage</a:t>
+            </a:r>
+          </a:p>
+          <a:p>
+            <a:r>
+              <a:rPr lang="en-NZ" dirty="0" smtClean="0"/>
+              <a:t>Queues</a:t>
+            </a:r>
+          </a:p>
+          <a:p>
+            <a:r>
+              <a:rPr lang="en-NZ" dirty="0" smtClean="0"/>
+              <a:t>Cloud Services </a:t>
+            </a:r>
+          </a:p>
+          <a:p>
+            <a:r>
+              <a:rPr lang="en-NZ" dirty="0" err="1" smtClean="0"/>
+              <a:t>Vms</a:t>
+            </a:r>
+            <a:r>
+              <a:rPr lang="en-NZ" dirty="0" smtClean="0"/>
+              <a:t> - </a:t>
+            </a:r>
+            <a:r>
+              <a:rPr lang="en-NZ" dirty="0" err="1" smtClean="0"/>
+              <a:t>IaaS</a:t>
+            </a:r>
+            <a:endParaRPr lang="en-NZ" dirty="0" smtClean="0"/>
+          </a:p>
+          <a:p>
+            <a:r>
+              <a:rPr lang="en-NZ" dirty="0" smtClean="0"/>
+              <a:t>And more!</a:t>
+            </a:r>
+          </a:p>
+          <a:p>
+            <a:endParaRPr lang="en-NZ" dirty="0"/>
+          </a:p>
+        </p:txBody>
+      </p:sp>
+      <p:pic>
+        <p:nvPicPr>
+          <p:cNvPr id="4" name="Picture 2" descr="http://www.codeproject.com/script/awards/logos/windowsazure_logo.png"/>
+          <p:cNvPicPr>
+            <a:picLocks noChangeAspect="1" noChangeArrowheads="1"/>
+          </p:cNvPicPr>
+          <p:nvPr/>
+        </p:nvPicPr>
+        <p:blipFill>
+          <a:blip r:embed="rId2">
+            <a:extLst>
+              <a:ext uri="{28A0092B-C50C-407E-A947-70E740481C1C}">
+                <a14:useLocalDpi xmlns:a14="http://schemas.microsoft.com/office/drawing/2010/main" val="0"/>
+              </a:ext>
+            </a:extLst>
+          </a:blip>
+          <a:srcRect/>
+          <a:stretch>
+            <a:fillRect/>
+          </a:stretch>
+        </p:blipFill>
+        <p:spPr bwMode="auto">
+          <a:xfrm>
+            <a:off x="1084635" y="450357"/>
+            <a:ext cx="7440720" cy="1092693"/>
+          </a:xfrm>
+          <a:prstGeom prst="rect">
+            <a:avLst/>
+          </a:prstGeom>
+          <a:noFill/>
+          <a:extLst>
+            <a:ext uri="{909E8E84-426E-40DD-AFC4-6F175D3DCCD1}">
+              <a14:hiddenFill xmlns:a14="http://schemas.microsoft.com/office/drawing/2010/main">
+                <a:solidFill>
+                  <a:srgbClr val="FFFFFF"/>
+                </a:solidFill>
+              </a14:hiddenFill>
+            </a:ext>
+          </a:extLst>
+        </p:spPr>
+      </p:pic>
+    </p:spTree>
+    <p:extLst>
+      <p:ext uri="{BB962C8B-B14F-4D97-AF65-F5344CB8AC3E}">
+        <p14:creationId xmlns:p14="http://schemas.microsoft.com/office/powerpoint/2010/main" val="3354470935"/>
+      </p:ext>
+    </p:extLst>
+  </p:cSld>
+  <p:clrMapOvr>
+    <a:masterClrMapping/>
+  </p:clrMapOvr>
+  <p:timing>
+    <p:tnLst>
+      <p:par>
+        <p:cTn id="1" dur="indefinite" restart="never" nodeType="tmRoot"/>
+      </p:par>
+    </p:tnLst>
+  </p:timing>
+</p:sld>
+</file>
+
+<file path=ppt/slides/slide6.xml><?xml version="1.0" encoding="utf-8"?>
+<p:sld xmlns:a="http://schemas.openxmlformats.org/drawingml/2006/main" xmlns:r="http://schemas.openxmlformats.org/officeDocument/2006/relationships" xmlns:p="http://schemas.openxmlformats.org/presentationml/2006/main">
+  <p:cSld>
+    <p:spTree>
+      <p:nvGrpSpPr>
+        <p:cNvPr id="1" name=""/>
+        <p:cNvGrpSpPr/>
+        <p:nvPr/>
+      </p:nvGrpSpPr>
+      <p:grpSpPr>
+        <a:xfrm>
+          <a:off x="0" y="0"/>
+          <a:ext cx="0" cy="0"/>
+          <a:chOff x="0" y="0"/>
+          <a:chExt cx="0" cy="0"/>
+        </a:xfrm>
+      </p:grpSpPr>
+      <p:sp>
+        <p:nvSpPr>
+          <p:cNvPr id="2" name="Title 1"/>
+          <p:cNvSpPr>
+            <a:spLocks noGrp="1"/>
+          </p:cNvSpPr>
+          <p:nvPr>
+            <p:ph type="title"/>
+          </p:nvPr>
+        </p:nvSpPr>
+        <p:spPr/>
+        <p:txBody>
+          <a:bodyPr/>
+          <a:lstStyle/>
+          <a:p>
+            <a:r>
+              <a:rPr lang="en-NZ" dirty="0" smtClean="0"/>
+              <a:t>What will we do today?</a:t>
+            </a:r>
+            <a:endParaRPr lang="en-NZ" dirty="0"/>
+          </a:p>
+        </p:txBody>
+      </p:sp>
+      <p:sp>
+        <p:nvSpPr>
+          <p:cNvPr id="3" name="Content Placeholder 2"/>
+          <p:cNvSpPr>
+            <a:spLocks noGrp="1"/>
+          </p:cNvSpPr>
+          <p:nvPr>
+            <p:ph idx="1"/>
+          </p:nvPr>
+        </p:nvSpPr>
+        <p:spPr/>
+        <p:txBody>
+          <a:bodyPr>
+            <a:normAutofit lnSpcReduction="10000"/>
+          </a:bodyPr>
+          <a:lstStyle/>
+          <a:p>
+            <a:r>
+              <a:rPr lang="en-NZ" dirty="0"/>
+              <a:t>Follow along with the steps I went through in the </a:t>
+            </a:r>
+            <a:r>
+              <a:rPr lang="en-NZ" dirty="0" smtClean="0"/>
+              <a:t>article</a:t>
+            </a:r>
+          </a:p>
+          <a:p>
+            <a:r>
+              <a:rPr lang="en-NZ" dirty="0" smtClean="0"/>
+              <a:t>PLEASE – if you want to deep dive into any aspects let me know</a:t>
+            </a:r>
+            <a:endParaRPr lang="en-NZ" dirty="0"/>
+          </a:p>
+          <a:p>
+            <a:r>
+              <a:rPr lang="en-NZ" dirty="0" smtClean="0"/>
+              <a:t>Setup source control with Git</a:t>
+            </a:r>
+          </a:p>
+          <a:p>
+            <a:r>
+              <a:rPr lang="en-NZ" dirty="0" smtClean="0"/>
+              <a:t>Create </a:t>
+            </a:r>
+            <a:r>
+              <a:rPr lang="en-NZ" dirty="0"/>
+              <a:t>a vanilla MVC 4 Internet </a:t>
+            </a:r>
+            <a:r>
+              <a:rPr lang="en-NZ" dirty="0" smtClean="0"/>
+              <a:t>Application</a:t>
+            </a:r>
+          </a:p>
+          <a:p>
+            <a:r>
+              <a:rPr lang="en-NZ" dirty="0" smtClean="0"/>
+              <a:t>Deploy to </a:t>
+            </a:r>
+            <a:r>
+              <a:rPr lang="en-NZ" dirty="0" err="1" smtClean="0"/>
+              <a:t>GitHub</a:t>
+            </a:r>
+            <a:endParaRPr lang="en-NZ" dirty="0" smtClean="0"/>
+          </a:p>
+          <a:p>
+            <a:r>
+              <a:rPr lang="en-NZ" dirty="0" smtClean="0"/>
+              <a:t>Create a site in Azure</a:t>
+            </a:r>
+          </a:p>
+          <a:p>
+            <a:r>
+              <a:rPr lang="en-NZ" dirty="0" smtClean="0"/>
+              <a:t>Setup automated deployment from </a:t>
+            </a:r>
+            <a:r>
+              <a:rPr lang="en-NZ" dirty="0" err="1" smtClean="0"/>
+              <a:t>GitHub</a:t>
+            </a:r>
+            <a:endParaRPr lang="en-NZ" dirty="0" smtClean="0"/>
+          </a:p>
+          <a:p>
+            <a:r>
+              <a:rPr lang="en-NZ" dirty="0" smtClean="0"/>
+              <a:t>View our site</a:t>
+            </a:r>
+          </a:p>
+          <a:p>
+            <a:r>
+              <a:rPr lang="en-NZ" dirty="0" smtClean="0"/>
+              <a:t>Make some changes and watch them appear on our live site as if by magic!</a:t>
+            </a:r>
+          </a:p>
+          <a:p>
+            <a:r>
+              <a:rPr lang="en-NZ" dirty="0" smtClean="0"/>
+              <a:t>Go through the rest of the article and the issues encountered</a:t>
+            </a:r>
+          </a:p>
+          <a:p>
+            <a:endParaRPr lang="en-NZ" dirty="0"/>
+          </a:p>
+        </p:txBody>
+      </p:sp>
+    </p:spTree>
+    <p:extLst>
+      <p:ext uri="{BB962C8B-B14F-4D97-AF65-F5344CB8AC3E}">
+        <p14:creationId xmlns:p14="http://schemas.microsoft.com/office/powerpoint/2010/main" val="3699534575"/>
+      </p:ext>
+    </p:extLst>
+  </p:cSld>
+  <p:clrMapOvr>
+    <a:masterClrMapping/>
+  </p:clrMapOvr>
+  <p:timing>
+    <p:tnLst>
+      <p:par>
+        <p:cTn id="1" dur="indefinite" restart="never" nodeType="tmRoot"/>
+      </p:par>
+    </p:tnLst>
+  </p:timing>
+</p:sld>
+</file>
+
+<file path=ppt/slides/slide7.xml><?xml version="1.0" encoding="utf-8"?>
+<p:sld xmlns:a="http://schemas.openxmlformats.org/drawingml/2006/main" xmlns:r="http://schemas.openxmlformats.org/officeDocument/2006/relationships" xmlns:p="http://schemas.openxmlformats.org/presentationml/2006/main">
+  <p:cSld>
+    <p:spTree>
+      <p:nvGrpSpPr>
+        <p:cNvPr id="1" name=""/>
+        <p:cNvGrpSpPr/>
+        <p:nvPr/>
+      </p:nvGrpSpPr>
+      <p:grpSpPr>
+        <a:xfrm>
+          <a:off x="0" y="0"/>
+          <a:ext cx="0" cy="0"/>
+          <a:chOff x="0" y="0"/>
+          <a:chExt cx="0" cy="0"/>
+        </a:xfrm>
+      </p:grpSpPr>
+      <p:sp>
+        <p:nvSpPr>
+          <p:cNvPr id="2" name="Title 1"/>
+          <p:cNvSpPr>
+            <a:spLocks noGrp="1"/>
+          </p:cNvSpPr>
+          <p:nvPr>
+            <p:ph type="title"/>
+          </p:nvPr>
+        </p:nvSpPr>
+        <p:spPr/>
+        <p:txBody>
+          <a:bodyPr/>
+          <a:lstStyle/>
+          <a:p>
+            <a:r>
+              <a:rPr lang="en-NZ" dirty="0" smtClean="0"/>
+              <a:t>Setup Git and create a local website</a:t>
+            </a:r>
+            <a:endParaRPr lang="en-NZ" dirty="0"/>
+          </a:p>
+        </p:txBody>
+      </p:sp>
+      <p:sp>
+        <p:nvSpPr>
+          <p:cNvPr id="3" name="Content Placeholder 2"/>
+          <p:cNvSpPr>
+            <a:spLocks noGrp="1"/>
+          </p:cNvSpPr>
+          <p:nvPr>
+            <p:ph idx="1"/>
+          </p:nvPr>
+        </p:nvSpPr>
+        <p:spPr/>
+        <p:txBody>
+          <a:bodyPr/>
+          <a:lstStyle/>
+          <a:p>
+            <a:r>
+              <a:rPr lang="en-NZ" dirty="0" smtClean="0"/>
+              <a:t>Why Git? Why not TFS?</a:t>
+            </a:r>
+          </a:p>
+          <a:p>
+            <a:r>
+              <a:rPr lang="en-NZ" dirty="0" smtClean="0"/>
+              <a:t>Download Git Explorer for Windows</a:t>
+            </a:r>
+          </a:p>
+          <a:p>
+            <a:r>
+              <a:rPr lang="en-NZ" dirty="0" smtClean="0"/>
+              <a:t>Create a repository</a:t>
+            </a:r>
+          </a:p>
+          <a:p>
+            <a:r>
+              <a:rPr lang="en-NZ" dirty="0" smtClean="0"/>
+              <a:t>Create the website and debug locally</a:t>
+            </a:r>
+          </a:p>
+          <a:p>
+            <a:r>
+              <a:rPr lang="en-NZ" dirty="0" smtClean="0"/>
+              <a:t>Exclude </a:t>
+            </a:r>
+            <a:r>
+              <a:rPr lang="en-NZ" dirty="0" err="1" smtClean="0"/>
+              <a:t>NuGet</a:t>
+            </a:r>
+            <a:r>
+              <a:rPr lang="en-NZ" dirty="0" smtClean="0"/>
+              <a:t> packages to save some space on </a:t>
+            </a:r>
+            <a:r>
+              <a:rPr lang="en-NZ" dirty="0" err="1" smtClean="0"/>
+              <a:t>GitHub</a:t>
+            </a:r>
+            <a:r>
+              <a:rPr lang="en-NZ" dirty="0" smtClean="0"/>
+              <a:t> </a:t>
+            </a:r>
+          </a:p>
+          <a:p>
+            <a:r>
+              <a:rPr lang="en-NZ" dirty="0" smtClean="0"/>
+              <a:t>Commit changes and push to </a:t>
+            </a:r>
+            <a:r>
+              <a:rPr lang="en-NZ" dirty="0" err="1" smtClean="0"/>
+              <a:t>GitHub</a:t>
+            </a:r>
+            <a:endParaRPr lang="en-NZ" dirty="0"/>
+          </a:p>
+        </p:txBody>
+      </p:sp>
+    </p:spTree>
+    <p:extLst>
+      <p:ext uri="{BB962C8B-B14F-4D97-AF65-F5344CB8AC3E}">
+        <p14:creationId xmlns:p14="http://schemas.microsoft.com/office/powerpoint/2010/main" val="1964261299"/>
+      </p:ext>
+    </p:extLst>
+  </p:cSld>
+  <p:clrMapOvr>
+    <a:masterClrMapping/>
+  </p:clrMapOvr>
+  <p:timing>
+    <p:tnLst>
+      <p:par>
+        <p:cTn id="1" dur="indefinite" restart="never" nodeType="tmRoot"/>
+      </p:par>
+    </p:tnLst>
+  </p:timing>
+</p:sld>
+</file>
+
+<file path=ppt/slides/slide8.xml><?xml version="1.0" encoding="utf-8"?>
+<p:sld xmlns:a="http://schemas.openxmlformats.org/drawingml/2006/main" xmlns:r="http://schemas.openxmlformats.org/officeDocument/2006/relationships" xmlns:p="http://schemas.openxmlformats.org/presentationml/2006/main">
+  <p:cSld>
+    <p:spTree>
+      <p:nvGrpSpPr>
+        <p:cNvPr id="1" name=""/>
+        <p:cNvGrpSpPr/>
+        <p:nvPr/>
+      </p:nvGrpSpPr>
+      <p:grpSpPr>
+        <a:xfrm>
+          <a:off x="0" y="0"/>
+          <a:ext cx="0" cy="0"/>
+          <a:chOff x="0" y="0"/>
+          <a:chExt cx="0" cy="0"/>
+        </a:xfrm>
+      </p:grpSpPr>
+      <p:sp>
+        <p:nvSpPr>
+          <p:cNvPr id="2" name="Title 1"/>
+          <p:cNvSpPr>
+            <a:spLocks noGrp="1"/>
+          </p:cNvSpPr>
+          <p:nvPr>
+            <p:ph type="title"/>
+          </p:nvPr>
+        </p:nvSpPr>
+        <p:spPr/>
+        <p:txBody>
+          <a:bodyPr/>
+          <a:lstStyle/>
+          <a:p>
+            <a:r>
+              <a:rPr lang="en-NZ" dirty="0" smtClean="0"/>
+              <a:t>Azure web sites</a:t>
+            </a:r>
+            <a:endParaRPr lang="en-NZ" dirty="0"/>
+          </a:p>
+        </p:txBody>
+      </p:sp>
+      <p:sp>
+        <p:nvSpPr>
+          <p:cNvPr id="3" name="Content Placeholder 2"/>
+          <p:cNvSpPr>
+            <a:spLocks noGrp="1"/>
+          </p:cNvSpPr>
+          <p:nvPr>
+            <p:ph idx="1"/>
+          </p:nvPr>
+        </p:nvSpPr>
+        <p:spPr/>
+        <p:txBody>
+          <a:bodyPr/>
+          <a:lstStyle/>
+          <a:p>
+            <a:r>
+              <a:rPr lang="en-NZ" dirty="0" smtClean="0"/>
+              <a:t>Azure 3 month free trial – get started now – it’s free!!!! </a:t>
+            </a:r>
+            <a:r>
+              <a:rPr lang="en-NZ" dirty="0">
+                <a:hlinkClick r:id="rId2"/>
+              </a:rPr>
+              <a:t>http://www.windowsazure.com/en-us/pricing/free-trial</a:t>
+            </a:r>
+            <a:r>
+              <a:rPr lang="en-NZ" dirty="0" smtClean="0">
+                <a:hlinkClick r:id="rId2"/>
+              </a:rPr>
+              <a:t>/</a:t>
+            </a:r>
+            <a:endParaRPr lang="en-NZ" dirty="0" smtClean="0"/>
+          </a:p>
+          <a:p>
+            <a:r>
+              <a:rPr lang="en-NZ" dirty="0" smtClean="0"/>
+              <a:t>What do you get?</a:t>
+            </a:r>
+          </a:p>
+          <a:p>
+            <a:r>
+              <a:rPr lang="en-NZ" dirty="0" smtClean="0"/>
+              <a:t>Create a windows live id if you don’t already have one</a:t>
+            </a:r>
+          </a:p>
+          <a:p>
+            <a:r>
+              <a:rPr lang="en-NZ" dirty="0" smtClean="0"/>
+              <a:t>Sign up (you’ll need a credit card, but won’t be charged anything)</a:t>
+            </a:r>
+          </a:p>
+          <a:p>
+            <a:r>
+              <a:rPr lang="en-NZ" dirty="0" smtClean="0"/>
+              <a:t>Go to the Azure Management portal</a:t>
+            </a:r>
+          </a:p>
+          <a:p>
+            <a:r>
+              <a:rPr lang="en-NZ" dirty="0" smtClean="0"/>
+              <a:t>Create the site</a:t>
+            </a:r>
+          </a:p>
+          <a:p>
+            <a:r>
+              <a:rPr lang="en-NZ" dirty="0" smtClean="0"/>
+              <a:t>Setup Git deployment (could also use one of the </a:t>
+            </a:r>
+            <a:r>
+              <a:rPr lang="en-NZ" smtClean="0"/>
+              <a:t>other providers)</a:t>
+            </a:r>
+            <a:endParaRPr lang="en-NZ" dirty="0" smtClean="0"/>
+          </a:p>
+          <a:p>
+            <a:r>
+              <a:rPr lang="en-NZ" dirty="0" smtClean="0"/>
+              <a:t>Voila!</a:t>
+            </a:r>
+          </a:p>
+          <a:p>
+            <a:r>
+              <a:rPr lang="en-NZ" dirty="0" smtClean="0"/>
+              <a:t>Back to the article…</a:t>
+            </a:r>
+            <a:endParaRPr lang="en-NZ" dirty="0"/>
+          </a:p>
+        </p:txBody>
+      </p:sp>
+    </p:spTree>
+    <p:extLst>
+      <p:ext uri="{BB962C8B-B14F-4D97-AF65-F5344CB8AC3E}">
+        <p14:creationId xmlns:p14="http://schemas.microsoft.com/office/powerpoint/2010/main" val="1478447822"/>
+      </p:ext>
+    </p:extLst>
+  </p:cSld>
+  <p:clrMapOvr>
+    <a:masterClrMapping/>
+  </p:clrMapOvr>
+  <p:timing>
+    <p:tnLst>
+      <p:par>
+        <p:cTn id="1" dur="indefinite" restart="never" nodeType="tmRoot"/>
+      </p:par>
+    </p:tnLst>
+  </p:timing>
+</p:sld>
+</file>
+
+<file path=ppt/slides/slide9.xml><?xml version="1.0" encoding="utf-8"?>
+<p:sld xmlns:a="http://schemas.openxmlformats.org/drawingml/2006/main" xmlns:r="http://schemas.openxmlformats.org/officeDocument/2006/relationships" xmlns:p="http://schemas.openxmlformats.org/presentationml/2006/main">
+  <p:cSld>
+    <p:spTree>
+      <p:nvGrpSpPr>
+        <p:cNvPr id="1" name=""/>
+        <p:cNvGrpSpPr/>
+        <p:nvPr/>
+      </p:nvGrpSpPr>
+      <p:grpSpPr>
+        <a:xfrm>
+          <a:off x="0" y="0"/>
+          <a:ext cx="0" cy="0"/>
+          <a:chOff x="0" y="0"/>
+          <a:chExt cx="0" cy="0"/>
+        </a:xfrm>
+      </p:grpSpPr>
+      <p:sp>
+        <p:nvSpPr>
+          <p:cNvPr id="2" name="Title 1"/>
+          <p:cNvSpPr>
+            <a:spLocks noGrp="1"/>
+          </p:cNvSpPr>
+          <p:nvPr>
+            <p:ph type="title"/>
+          </p:nvPr>
+        </p:nvSpPr>
+        <p:spPr/>
+        <p:txBody>
+          <a:bodyPr/>
+          <a:lstStyle/>
+          <a:p>
+            <a:r>
+              <a:rPr lang="en-NZ" dirty="0" smtClean="0"/>
+              <a:t>First things first – getting setup for v1.0</a:t>
+            </a:r>
+            <a:endParaRPr lang="en-NZ" dirty="0"/>
+          </a:p>
+        </p:txBody>
+      </p:sp>
+      <p:sp>
+        <p:nvSpPr>
+          <p:cNvPr id="3" name="Content Placeholder 2"/>
+          <p:cNvSpPr>
+            <a:spLocks noGrp="1"/>
+          </p:cNvSpPr>
+          <p:nvPr>
+            <p:ph idx="1"/>
+          </p:nvPr>
+        </p:nvSpPr>
+        <p:spPr/>
+        <p:txBody>
+          <a:bodyPr/>
+          <a:lstStyle/>
+          <a:p>
+            <a:r>
+              <a:rPr lang="en-NZ" dirty="0" smtClean="0"/>
+              <a:t>Get v1.0 of the </a:t>
+            </a:r>
+            <a:r>
+              <a:rPr lang="en-NZ" dirty="0" err="1" smtClean="0"/>
+              <a:t>YouConf</a:t>
+            </a:r>
+            <a:r>
+              <a:rPr lang="en-NZ" dirty="0" smtClean="0"/>
+              <a:t> source code from </a:t>
+            </a:r>
+            <a:r>
+              <a:rPr lang="en-NZ" dirty="0" err="1" smtClean="0"/>
+              <a:t>GitHub</a:t>
+            </a:r>
+            <a:endParaRPr lang="en-NZ" dirty="0" smtClean="0"/>
+          </a:p>
+          <a:p>
+            <a:r>
+              <a:rPr lang="en-NZ" dirty="0" smtClean="0"/>
+              <a:t>Unzipped</a:t>
+            </a:r>
+          </a:p>
+          <a:p>
+            <a:r>
+              <a:rPr lang="en-NZ" dirty="0" smtClean="0"/>
+              <a:t>Setup a new Git repository</a:t>
+            </a:r>
+          </a:p>
+          <a:p>
+            <a:r>
+              <a:rPr lang="en-NZ" dirty="0" smtClean="0"/>
+              <a:t>Exclude </a:t>
+            </a:r>
+            <a:r>
+              <a:rPr lang="en-NZ" dirty="0" err="1" smtClean="0"/>
+              <a:t>NuGet</a:t>
+            </a:r>
+            <a:r>
+              <a:rPr lang="en-NZ" dirty="0" smtClean="0"/>
+              <a:t> packages (I missed that in challenge 2)</a:t>
+            </a:r>
+          </a:p>
+          <a:p>
+            <a:r>
+              <a:rPr lang="en-NZ" dirty="0" err="1" smtClean="0"/>
+              <a:t>Checkin</a:t>
+            </a:r>
+            <a:r>
+              <a:rPr lang="en-NZ" dirty="0" smtClean="0"/>
+              <a:t> and push</a:t>
+            </a:r>
+          </a:p>
+          <a:p>
+            <a:r>
+              <a:rPr lang="en-NZ" dirty="0" smtClean="0"/>
+              <a:t>Create a new site so we’re back to where I was at the end of stage one</a:t>
+            </a:r>
+            <a:endParaRPr lang="en-NZ" dirty="0"/>
+          </a:p>
+        </p:txBody>
+      </p:sp>
+    </p:spTree>
+    <p:extLst>
+      <p:ext uri="{BB962C8B-B14F-4D97-AF65-F5344CB8AC3E}">
+        <p14:creationId xmlns:p14="http://schemas.microsoft.com/office/powerpoint/2010/main" val="547823131"/>
+      </p:ext>
+    </p:extLst>
+  </p:cSld>
+  <p:clrMapOvr>
+    <a:masterClrMapping/>
+  </p:clrMapOvr>
+  <p:timing>
+    <p:tnLst>
+      <p:par>
+        <p:cTn id="1" dur="indefinite" restart="never" nodeType="tmRoot"/>
+      </p:par>
+    </p:tnLst>
+  </p:timing>
 </p:sld>
 </file>
 

--- a/The CodeProject Windows Azure Developer Contest.pptx
+++ b/The CodeProject Windows Azure Developer Contest.pptx
@@ -851,7 +851,7 @@
             <a:fld id="{B61BEF0D-F0BB-DE4B-95CE-6DB70DBA9567}" type="datetimeFigureOut">
               <a:rPr lang="en-US" dirty="0"/>
               <a:pPr/>
-              <a:t>5/26/2013</a:t>
+              <a:t>5/28/2013</a:t>
             </a:fld>
             <a:endParaRPr lang="en-US" dirty="0"/>
           </a:p>
@@ -1099,7 +1099,7 @@
             <a:fld id="{B61BEF0D-F0BB-DE4B-95CE-6DB70DBA9567}" type="datetimeFigureOut">
               <a:rPr lang="en-US" dirty="0"/>
               <a:pPr/>
-              <a:t>5/26/2013</a:t>
+              <a:t>5/28/2013</a:t>
             </a:fld>
             <a:endParaRPr lang="en-US" dirty="0"/>
           </a:p>
@@ -1410,7 +1410,7 @@
             <a:fld id="{B61BEF0D-F0BB-DE4B-95CE-6DB70DBA9567}" type="datetimeFigureOut">
               <a:rPr lang="en-US" dirty="0"/>
               <a:pPr/>
-              <a:t>5/26/2013</a:t>
+              <a:t>5/28/2013</a:t>
             </a:fld>
             <a:endParaRPr lang="en-US" dirty="0"/>
           </a:p>
@@ -1748,7 +1748,7 @@
             <a:fld id="{B61BEF0D-F0BB-DE4B-95CE-6DB70DBA9567}" type="datetimeFigureOut">
               <a:rPr lang="en-US" dirty="0"/>
               <a:pPr/>
-              <a:t>5/26/2013</a:t>
+              <a:t>5/28/2013</a:t>
             </a:fld>
             <a:endParaRPr lang="en-US" dirty="0"/>
           </a:p>
@@ -2059,7 +2059,7 @@
             <a:fld id="{B61BEF0D-F0BB-DE4B-95CE-6DB70DBA9567}" type="datetimeFigureOut">
               <a:rPr lang="en-US" dirty="0"/>
               <a:pPr/>
-              <a:t>5/26/2013</a:t>
+              <a:t>5/28/2013</a:t>
             </a:fld>
             <a:endParaRPr lang="en-US" dirty="0"/>
           </a:p>
@@ -2449,7 +2449,7 @@
             <a:fld id="{B61BEF0D-F0BB-DE4B-95CE-6DB70DBA9567}" type="datetimeFigureOut">
               <a:rPr lang="en-US" dirty="0"/>
               <a:pPr/>
-              <a:t>5/26/2013</a:t>
+              <a:t>5/28/2013</a:t>
             </a:fld>
             <a:endParaRPr lang="en-US" dirty="0"/>
           </a:p>
@@ -2615,7 +2615,7 @@
           <a:p>
             <a:fld id="{55C6B4A9-1611-4792-9094-5F34BCA07E0B}" type="datetimeFigureOut">
               <a:rPr lang="en-US" dirty="0"/>
-              <a:t>5/26/2013</a:t>
+              <a:t>5/28/2013</a:t>
             </a:fld>
             <a:endParaRPr lang="en-US" dirty="0"/>
           </a:p>
@@ -2791,7 +2791,7 @@
             <a:fld id="{B61BEF0D-F0BB-DE4B-95CE-6DB70DBA9567}" type="datetimeFigureOut">
               <a:rPr lang="en-US" dirty="0"/>
               <a:pPr/>
-              <a:t>5/26/2013</a:t>
+              <a:t>5/28/2013</a:t>
             </a:fld>
             <a:endParaRPr lang="en-US" dirty="0"/>
           </a:p>
@@ -2964,7 +2964,7 @@
             <a:fld id="{B61BEF0D-F0BB-DE4B-95CE-6DB70DBA9567}" type="datetimeFigureOut">
               <a:rPr lang="en-US" dirty="0"/>
               <a:pPr/>
-              <a:t>5/26/2013</a:t>
+              <a:t>5/28/2013</a:t>
             </a:fld>
             <a:endParaRPr lang="en-US" dirty="0"/>
           </a:p>
@@ -3208,7 +3208,7 @@
             <a:fld id="{B61BEF0D-F0BB-DE4B-95CE-6DB70DBA9567}" type="datetimeFigureOut">
               <a:rPr lang="en-US" dirty="0"/>
               <a:pPr/>
-              <a:t>5/26/2013</a:t>
+              <a:t>5/28/2013</a:t>
             </a:fld>
             <a:endParaRPr lang="en-US" dirty="0"/>
           </a:p>
@@ -3436,7 +3436,7 @@
           <a:p>
             <a:fld id="{EB712588-04B1-427B-82EE-E8DB90309F08}" type="datetimeFigureOut">
               <a:rPr lang="en-US" dirty="0"/>
-              <a:t>5/26/2013</a:t>
+              <a:t>5/28/2013</a:t>
             </a:fld>
             <a:endParaRPr lang="en-US" dirty="0"/>
           </a:p>
@@ -3806,7 +3806,7 @@
             <a:fld id="{B61BEF0D-F0BB-DE4B-95CE-6DB70DBA9567}" type="datetimeFigureOut">
               <a:rPr lang="en-US" dirty="0"/>
               <a:pPr/>
-              <a:t>5/26/2013</a:t>
+              <a:t>5/28/2013</a:t>
             </a:fld>
             <a:endParaRPr lang="en-US" dirty="0"/>
           </a:p>
@@ -3926,7 +3926,7 @@
             <a:fld id="{B61BEF0D-F0BB-DE4B-95CE-6DB70DBA9567}" type="datetimeFigureOut">
               <a:rPr lang="en-US" dirty="0"/>
               <a:pPr/>
-              <a:t>5/26/2013</a:t>
+              <a:t>5/28/2013</a:t>
             </a:fld>
             <a:endParaRPr lang="en-US" dirty="0"/>
           </a:p>
@@ -4018,7 +4018,7 @@
             <a:fld id="{B61BEF0D-F0BB-DE4B-95CE-6DB70DBA9567}" type="datetimeFigureOut">
               <a:rPr lang="en-US" dirty="0"/>
               <a:pPr/>
-              <a:t>5/26/2013</a:t>
+              <a:t>5/28/2013</a:t>
             </a:fld>
             <a:endParaRPr lang="en-US" dirty="0"/>
           </a:p>
@@ -4269,7 +4269,7 @@
           <a:p>
             <a:fld id="{42A54C80-263E-416B-A8E0-580EDEADCBDC}" type="datetimeFigureOut">
               <a:rPr lang="en-US" dirty="0"/>
-              <a:t>5/26/2013</a:t>
+              <a:t>5/28/2013</a:t>
             </a:fld>
             <a:endParaRPr lang="en-US" dirty="0"/>
           </a:p>
@@ -4528,7 +4528,7 @@
             <a:fld id="{B61BEF0D-F0BB-DE4B-95CE-6DB70DBA9567}" type="datetimeFigureOut">
               <a:rPr lang="en-US" dirty="0"/>
               <a:pPr/>
-              <a:t>5/26/2013</a:t>
+              <a:t>5/28/2013</a:t>
             </a:fld>
             <a:endParaRPr lang="en-US" dirty="0"/>
           </a:p>
@@ -5268,7 +5268,7 @@
             <a:fld id="{B61BEF0D-F0BB-DE4B-95CE-6DB70DBA9567}" type="datetimeFigureOut">
               <a:rPr lang="en-US" dirty="0"/>
               <a:pPr/>
-              <a:t>5/26/2013</a:t>
+              <a:t>5/28/2013</a:t>
             </a:fld>
             <a:endParaRPr lang="en-US" dirty="0"/>
           </a:p>
@@ -6054,8 +6054,19 @@
           <a:p>
             <a:r>
               <a:rPr lang="en-NZ" dirty="0" smtClean="0"/>
-              <a:t>Partition keys/row keys – oh so tricky</a:t>
-            </a:r>
+              <a:t>Partition keys/row keys – oh so </a:t>
+            </a:r>
+            <a:r>
+              <a:rPr lang="en-NZ" dirty="0" smtClean="0"/>
+              <a:t>tricky - </a:t>
+            </a:r>
+            <a:r>
+              <a:rPr lang="en-NZ" dirty="0">
+                <a:hlinkClick r:id="rId3"/>
+              </a:rPr>
+              <a:t>http://cloud.dzone.com/articles/partitionkey-and-rowkey</a:t>
+            </a:r>
+            <a:endParaRPr lang="en-NZ" dirty="0" smtClean="0"/>
           </a:p>
           <a:p>
             <a:r>
@@ -6072,7 +6083,11 @@
           <a:p>
             <a:r>
               <a:rPr lang="en-NZ" dirty="0" smtClean="0"/>
-              <a:t>I couldn’t store object graphs, so used </a:t>
+              <a:t>Issues - I </a:t>
+            </a:r>
+            <a:r>
+              <a:rPr lang="en-NZ" dirty="0" smtClean="0"/>
+              <a:t>couldn’t store object graphs, so used </a:t>
             </a:r>
             <a:r>
               <a:rPr lang="en-NZ" dirty="0" err="1" smtClean="0"/>
@@ -6186,7 +6201,11 @@
           <a:p>
             <a:r>
               <a:rPr lang="en-NZ" dirty="0" smtClean="0"/>
-              <a:t>Tooltips  with jQuery tools</a:t>
+              <a:t>Tooltips </a:t>
+            </a:r>
+            <a:r>
+              <a:rPr lang="en-NZ" dirty="0" smtClean="0"/>
+              <a:t>with jQuery tools</a:t>
             </a:r>
           </a:p>
           <a:p>
@@ -6296,11 +6315,7 @@
           <a:p>
             <a:r>
               <a:rPr lang="en-NZ" dirty="0" smtClean="0"/>
-              <a:t>What is it</a:t>
-            </a:r>
-            <a:r>
-              <a:rPr lang="en-NZ" dirty="0" smtClean="0"/>
-              <a:t>? </a:t>
+              <a:t>What is it? </a:t>
             </a:r>
             <a:r>
               <a:rPr lang="en-NZ" dirty="0">
@@ -6313,11 +6328,7 @@
           <a:p>
             <a:r>
               <a:rPr lang="en-NZ" dirty="0" smtClean="0"/>
-              <a:t>How did I use it</a:t>
-            </a:r>
-            <a:r>
-              <a:rPr lang="en-NZ" dirty="0" smtClean="0"/>
-              <a:t>? </a:t>
+              <a:t>How did I use it? </a:t>
             </a:r>
           </a:p>
           <a:p>
@@ -6325,7 +6336,6 @@
               <a:rPr lang="en-NZ" dirty="0" smtClean="0"/>
               <a:t>Calling hub methods from outside the hub pipeline</a:t>
             </a:r>
-            <a:endParaRPr lang="en-NZ" dirty="0" smtClean="0"/>
           </a:p>
           <a:p>
             <a:r>
@@ -6338,11 +6348,7 @@
             </a:r>
             <a:r>
               <a:rPr lang="en-NZ" dirty="0" smtClean="0"/>
-              <a:t> whilst watching in another </a:t>
-            </a:r>
-            <a:r>
-              <a:rPr lang="en-NZ" dirty="0" smtClean="0"/>
-              <a:t>window</a:t>
+              <a:t> whilst watching in another window</a:t>
             </a:r>
           </a:p>
           <a:p>
@@ -6584,8 +6590,12 @@
           </a:p>
           <a:p>
             <a:r>
-              <a:rPr lang="en-NZ" dirty="0" smtClean="0"/>
-              <a:t>Domain names, SSL, cloud services… maybe not quite so cool?</a:t>
+              <a:rPr lang="en-NZ" smtClean="0"/>
+              <a:t>BUT… Domain </a:t>
+            </a:r>
+            <a:r>
+              <a:rPr lang="en-NZ" dirty="0" smtClean="0"/>
+              <a:t>names, SSL, cloud services… maybe not quite so cool?</a:t>
             </a:r>
             <a:endParaRPr lang="en-NZ" dirty="0"/>
           </a:p>
